--- a/FP Plan.pptx
+++ b/FP Plan.pptx
@@ -10,7 +10,8 @@
     <p:sldId id="262" r:id="rId4"/>
     <p:sldId id="263" r:id="rId5"/>
     <p:sldId id="261" r:id="rId6"/>
-    <p:sldId id="264" r:id="rId7"/>
+    <p:sldId id="265" r:id="rId7"/>
+    <p:sldId id="264" r:id="rId8"/>
   </p:sldIdLst>
   <p:sldSz cx="12192000" cy="6858000"/>
   <p:notesSz cx="6858000" cy="9144000"/>
@@ -109,6 +110,11 @@
       </a:defRPr>
     </a:lvl9pPr>
   </p:defaultTextStyle>
+  <p:extLst>
+    <p:ext uri="{EFAFB233-063F-42B5-8137-9DF3F51BA10A}">
+      <p15:sldGuideLst xmlns:p15="http://schemas.microsoft.com/office/powerpoint/2012/main"/>
+    </p:ext>
+  </p:extLst>
 </p:presentation>
 </file>
 
@@ -261,7 +267,7 @@
           <a:p>
             <a:fld id="{D9271284-D1F4-4001-AB5D-EA82B35FF931}" type="datetimeFigureOut">
               <a:rPr lang="en-MY" smtClean="0"/>
-              <a:t>24/8/2024</a:t>
+              <a:t>8/9/2024</a:t>
             </a:fld>
             <a:endParaRPr lang="en-MY"/>
           </a:p>
@@ -461,7 +467,7 @@
           <a:p>
             <a:fld id="{D9271284-D1F4-4001-AB5D-EA82B35FF931}" type="datetimeFigureOut">
               <a:rPr lang="en-MY" smtClean="0"/>
-              <a:t>24/8/2024</a:t>
+              <a:t>8/9/2024</a:t>
             </a:fld>
             <a:endParaRPr lang="en-MY"/>
           </a:p>
@@ -671,7 +677,7 @@
           <a:p>
             <a:fld id="{D9271284-D1F4-4001-AB5D-EA82B35FF931}" type="datetimeFigureOut">
               <a:rPr lang="en-MY" smtClean="0"/>
-              <a:t>24/8/2024</a:t>
+              <a:t>8/9/2024</a:t>
             </a:fld>
             <a:endParaRPr lang="en-MY"/>
           </a:p>
@@ -871,7 +877,7 @@
           <a:p>
             <a:fld id="{D9271284-D1F4-4001-AB5D-EA82B35FF931}" type="datetimeFigureOut">
               <a:rPr lang="en-MY" smtClean="0"/>
-              <a:t>24/8/2024</a:t>
+              <a:t>8/9/2024</a:t>
             </a:fld>
             <a:endParaRPr lang="en-MY"/>
           </a:p>
@@ -1147,7 +1153,7 @@
           <a:p>
             <a:fld id="{D9271284-D1F4-4001-AB5D-EA82B35FF931}" type="datetimeFigureOut">
               <a:rPr lang="en-MY" smtClean="0"/>
-              <a:t>24/8/2024</a:t>
+              <a:t>8/9/2024</a:t>
             </a:fld>
             <a:endParaRPr lang="en-MY"/>
           </a:p>
@@ -1415,7 +1421,7 @@
           <a:p>
             <a:fld id="{D9271284-D1F4-4001-AB5D-EA82B35FF931}" type="datetimeFigureOut">
               <a:rPr lang="en-MY" smtClean="0"/>
-              <a:t>24/8/2024</a:t>
+              <a:t>8/9/2024</a:t>
             </a:fld>
             <a:endParaRPr lang="en-MY"/>
           </a:p>
@@ -1830,7 +1836,7 @@
           <a:p>
             <a:fld id="{D9271284-D1F4-4001-AB5D-EA82B35FF931}" type="datetimeFigureOut">
               <a:rPr lang="en-MY" smtClean="0"/>
-              <a:t>24/8/2024</a:t>
+              <a:t>8/9/2024</a:t>
             </a:fld>
             <a:endParaRPr lang="en-MY"/>
           </a:p>
@@ -1972,7 +1978,7 @@
           <a:p>
             <a:fld id="{D9271284-D1F4-4001-AB5D-EA82B35FF931}" type="datetimeFigureOut">
               <a:rPr lang="en-MY" smtClean="0"/>
-              <a:t>24/8/2024</a:t>
+              <a:t>8/9/2024</a:t>
             </a:fld>
             <a:endParaRPr lang="en-MY"/>
           </a:p>
@@ -2085,7 +2091,7 @@
           <a:p>
             <a:fld id="{D9271284-D1F4-4001-AB5D-EA82B35FF931}" type="datetimeFigureOut">
               <a:rPr lang="en-MY" smtClean="0"/>
-              <a:t>24/8/2024</a:t>
+              <a:t>8/9/2024</a:t>
             </a:fld>
             <a:endParaRPr lang="en-MY"/>
           </a:p>
@@ -2398,7 +2404,7 @@
           <a:p>
             <a:fld id="{D9271284-D1F4-4001-AB5D-EA82B35FF931}" type="datetimeFigureOut">
               <a:rPr lang="en-MY" smtClean="0"/>
-              <a:t>24/8/2024</a:t>
+              <a:t>8/9/2024</a:t>
             </a:fld>
             <a:endParaRPr lang="en-MY"/>
           </a:p>
@@ -2687,7 +2693,7 @@
           <a:p>
             <a:fld id="{D9271284-D1F4-4001-AB5D-EA82B35FF931}" type="datetimeFigureOut">
               <a:rPr lang="en-MY" smtClean="0"/>
-              <a:t>24/8/2024</a:t>
+              <a:t>8/9/2024</a:t>
             </a:fld>
             <a:endParaRPr lang="en-MY"/>
           </a:p>
@@ -2930,7 +2936,7 @@
           <a:p>
             <a:fld id="{D9271284-D1F4-4001-AB5D-EA82B35FF931}" type="datetimeFigureOut">
               <a:rPr lang="en-MY" smtClean="0"/>
-              <a:t>24/8/2024</a:t>
+              <a:t>8/9/2024</a:t>
             </a:fld>
             <a:endParaRPr lang="en-MY"/>
           </a:p>
@@ -3892,6 +3898,127 @@
           <p:cNvPr id="2" name="Title 1">
             <a:extLst>
               <a:ext uri="{FF2B5EF4-FFF2-40B4-BE49-F238E27FC236}">
+                <a16:creationId xmlns:a16="http://schemas.microsoft.com/office/drawing/2014/main" id="{D72745D1-3963-7171-D997-DAC507151E8A}"/>
+              </a:ext>
+            </a:extLst>
+          </p:cNvPr>
+          <p:cNvSpPr>
+            <a:spLocks noGrp="1"/>
+          </p:cNvSpPr>
+          <p:nvPr>
+            <p:ph type="title"/>
+          </p:nvPr>
+        </p:nvSpPr>
+        <p:spPr/>
+        <p:txBody>
+          <a:bodyPr/>
+          <a:lstStyle/>
+          <a:p>
+            <a:r>
+              <a:rPr lang="ms-MY" dirty="0"/>
+              <a:t>FEATURES</a:t>
+            </a:r>
+            <a:endParaRPr lang="en-MY" dirty="0"/>
+          </a:p>
+        </p:txBody>
+      </p:sp>
+      <p:sp>
+        <p:nvSpPr>
+          <p:cNvPr id="3" name="Content Placeholder 2">
+            <a:extLst>
+              <a:ext uri="{FF2B5EF4-FFF2-40B4-BE49-F238E27FC236}">
+                <a16:creationId xmlns:a16="http://schemas.microsoft.com/office/drawing/2014/main" id="{B27BD98C-458C-613A-E0E8-6AE8206043BD}"/>
+              </a:ext>
+            </a:extLst>
+          </p:cNvPr>
+          <p:cNvSpPr>
+            <a:spLocks noGrp="1"/>
+          </p:cNvSpPr>
+          <p:nvPr>
+            <p:ph idx="1"/>
+          </p:nvPr>
+        </p:nvSpPr>
+        <p:spPr/>
+        <p:txBody>
+          <a:bodyPr/>
+          <a:lstStyle/>
+          <a:p>
+            <a:pPr marL="514350" indent="-514350">
+              <a:buFont typeface="+mj-lt"/>
+              <a:buAutoNum type="arabicPeriod" startAt="4"/>
+            </a:pPr>
+            <a:r>
+              <a:rPr lang="ms-MY" b="1" dirty="0"/>
+              <a:t>Search and Filter – </a:t>
+            </a:r>
+            <a:r>
+              <a:rPr lang="ms-MY" dirty="0"/>
+              <a:t>Filter by subject, class and week</a:t>
+            </a:r>
+          </a:p>
+          <a:p>
+            <a:pPr marL="514350" indent="-514350">
+              <a:buFont typeface="+mj-lt"/>
+              <a:buAutoNum type="arabicPeriod" startAt="4"/>
+            </a:pPr>
+            <a:r>
+              <a:rPr lang="en-MY" b="1" dirty="0"/>
+              <a:t>Simple analysis – </a:t>
+            </a:r>
+            <a:r>
+              <a:rPr lang="en-MY" dirty="0"/>
+              <a:t>admin can do simple analysis such as rate of submission.</a:t>
+            </a:r>
+          </a:p>
+          <a:p>
+            <a:pPr marL="0" indent="0">
+              <a:buNone/>
+            </a:pPr>
+            <a:endParaRPr lang="en-MY" dirty="0"/>
+          </a:p>
+          <a:p>
+            <a:pPr marL="0" indent="0">
+              <a:buNone/>
+            </a:pPr>
+            <a:endParaRPr lang="en-MY" dirty="0"/>
+          </a:p>
+        </p:txBody>
+      </p:sp>
+    </p:spTree>
+    <p:extLst>
+      <p:ext uri="{BB962C8B-B14F-4D97-AF65-F5344CB8AC3E}">
+        <p14:creationId xmlns:p14="http://schemas.microsoft.com/office/powerpoint/2010/main" val="2762559335"/>
+      </p:ext>
+    </p:extLst>
+  </p:cSld>
+  <p:clrMapOvr>
+    <a:masterClrMapping/>
+  </p:clrMapOvr>
+</p:sld>
+</file>
+
+<file path=ppt/slides/slide7.xml><?xml version="1.0" encoding="utf-8"?>
+<p:sld xmlns:a="http://schemas.openxmlformats.org/drawingml/2006/main" xmlns:r="http://schemas.openxmlformats.org/officeDocument/2006/relationships" xmlns:p="http://schemas.openxmlformats.org/presentationml/2006/main">
+  <p:cSld>
+    <p:spTree>
+      <p:nvGrpSpPr>
+        <p:cNvPr id="1" name=""/>
+        <p:cNvGrpSpPr/>
+        <p:nvPr/>
+      </p:nvGrpSpPr>
+      <p:grpSpPr>
+        <a:xfrm>
+          <a:off x="0" y="0"/>
+          <a:ext cx="0" cy="0"/>
+          <a:chOff x="0" y="0"/>
+          <a:chExt cx="0" cy="0"/>
+        </a:xfrm>
+      </p:grpSpPr>
+      <p:sp>
+        <p:nvSpPr>
+          <p:cNvPr id="2" name="Title 1">
+            <a:extLst>
+              <a:ext uri="{FF2B5EF4-FFF2-40B4-BE49-F238E27FC236}">
                 <a16:creationId xmlns:a16="http://schemas.microsoft.com/office/drawing/2014/main" id="{CA698942-1B69-3602-FA27-BF89B4DFA052}"/>
               </a:ext>
             </a:extLst>
@@ -3951,6 +4078,134 @@
           </a:xfrm>
         </p:spPr>
       </p:pic>
+      <p:sp>
+        <p:nvSpPr>
+          <p:cNvPr id="3" name="AutoShape 2">
+            <a:extLst>
+              <a:ext uri="{FF2B5EF4-FFF2-40B4-BE49-F238E27FC236}">
+                <a16:creationId xmlns:a16="http://schemas.microsoft.com/office/drawing/2014/main" id="{C4512669-C4B0-67BC-0AE7-1DD1782B6A7F}"/>
+              </a:ext>
+            </a:extLst>
+          </p:cNvPr>
+          <p:cNvSpPr>
+            <a:spLocks noChangeAspect="1" noChangeArrowheads="1"/>
+          </p:cNvSpPr>
+          <p:nvPr/>
+        </p:nvSpPr>
+        <p:spPr bwMode="auto">
+          <a:xfrm>
+            <a:off x="5943600" y="3276600"/>
+            <a:ext cx="304800" cy="304800"/>
+          </a:xfrm>
+          <a:prstGeom prst="rect">
+            <a:avLst/>
+          </a:prstGeom>
+          <a:noFill/>
+          <a:extLst>
+            <a:ext uri="{909E8E84-426E-40DD-AFC4-6F175D3DCCD1}">
+              <a14:hiddenFill xmlns:a14="http://schemas.microsoft.com/office/drawing/2010/main">
+                <a:solidFill>
+                  <a:srgbClr val="FFFFFF"/>
+                </a:solidFill>
+              </a14:hiddenFill>
+            </a:ext>
+          </a:extLst>
+        </p:spPr>
+        <p:txBody>
+          <a:bodyPr vert="horz" wrap="square" lIns="91440" tIns="45720" rIns="91440" bIns="45720" numCol="1" anchor="t" anchorCtr="0" compatLnSpc="1">
+            <a:prstTxWarp prst="textNoShape">
+              <a:avLst/>
+            </a:prstTxWarp>
+          </a:bodyPr>
+          <a:lstStyle/>
+          <a:p>
+            <a:endParaRPr lang="en-MY"/>
+          </a:p>
+        </p:txBody>
+      </p:sp>
+      <p:sp>
+        <p:nvSpPr>
+          <p:cNvPr id="7" name="Rectangle 6">
+            <a:extLst>
+              <a:ext uri="{FF2B5EF4-FFF2-40B4-BE49-F238E27FC236}">
+                <a16:creationId xmlns:a16="http://schemas.microsoft.com/office/drawing/2014/main" id="{7DAEAC2E-AD8F-50DD-65B3-A7D656524831}"/>
+              </a:ext>
+            </a:extLst>
+          </p:cNvPr>
+          <p:cNvSpPr/>
+          <p:nvPr/>
+        </p:nvSpPr>
+        <p:spPr>
+          <a:xfrm>
+            <a:off x="5772150" y="6492875"/>
+            <a:ext cx="1781175" cy="304800"/>
+          </a:xfrm>
+          <a:prstGeom prst="rect">
+            <a:avLst/>
+          </a:prstGeom>
+          <a:noFill/>
+        </p:spPr>
+        <p:style>
+          <a:lnRef idx="2">
+            <a:schemeClr val="accent1">
+              <a:shade val="15000"/>
+            </a:schemeClr>
+          </a:lnRef>
+          <a:fillRef idx="1">
+            <a:schemeClr val="accent1"/>
+          </a:fillRef>
+          <a:effectRef idx="0">
+            <a:schemeClr val="accent1"/>
+          </a:effectRef>
+          <a:fontRef idx="minor">
+            <a:schemeClr val="lt1"/>
+          </a:fontRef>
+        </p:style>
+        <p:txBody>
+          <a:bodyPr rtlCol="0" anchor="ctr"/>
+          <a:lstStyle/>
+          <a:p>
+            <a:pPr algn="ctr"/>
+            <a:endParaRPr lang="en-MY"/>
+          </a:p>
+        </p:txBody>
+      </p:sp>
+      <p:sp>
+        <p:nvSpPr>
+          <p:cNvPr id="8" name="TextBox 7">
+            <a:extLst>
+              <a:ext uri="{FF2B5EF4-FFF2-40B4-BE49-F238E27FC236}">
+                <a16:creationId xmlns:a16="http://schemas.microsoft.com/office/drawing/2014/main" id="{63AF059C-1E35-CB6A-4BB5-EDEEA7B735B5}"/>
+              </a:ext>
+            </a:extLst>
+          </p:cNvPr>
+          <p:cNvSpPr txBox="1"/>
+          <p:nvPr/>
+        </p:nvSpPr>
+        <p:spPr>
+          <a:xfrm>
+            <a:off x="5857875" y="6464300"/>
+            <a:ext cx="1609725" cy="369332"/>
+          </a:xfrm>
+          <a:prstGeom prst="rect">
+            <a:avLst/>
+          </a:prstGeom>
+          <a:noFill/>
+        </p:spPr>
+        <p:txBody>
+          <a:bodyPr wrap="square" rtlCol="0">
+            <a:spAutoFit/>
+          </a:bodyPr>
+          <a:lstStyle/>
+          <a:p>
+            <a:r>
+              <a:rPr lang="ms-MY" dirty="0"/>
+              <a:t>role</a:t>
+            </a:r>
+            <a:endParaRPr lang="en-MY" dirty="0"/>
+          </a:p>
+        </p:txBody>
+      </p:sp>
     </p:spTree>
     <p:extLst>
       <p:ext uri="{BB962C8B-B14F-4D97-AF65-F5344CB8AC3E}">
